--- a/Slides/Aula5.pptx
+++ b/Slides/Aula5.pptx
@@ -35,6 +35,7 @@
     <p:sldId id="283" r:id="rId29"/>
     <p:sldId id="284" r:id="rId30"/>
     <p:sldId id="285" r:id="rId31"/>
+    <p:sldId id="286" r:id="rId32"/>
   </p:sldIdLst>
   <p:sldSz cx="9144000" cy="6858000" type="screen4x3"/>
   <p:notesSz cx="6858000" cy="9144000"/>
@@ -2894,7 +2895,7 @@
             <a:fld id="{0A98AF03-7270-45C2-A683-C5E353EF01A5}" type="datetime4">
               <a:rPr lang="en-US" smtClean="0"/>
               <a:pPr/>
-              <a:t>May 20, 2015</a:t>
+              <a:t>June 17, 2015</a:t>
             </a:fld>
             <a:endParaRPr lang="en-US" dirty="0"/>
           </a:p>
@@ -3181,7 +3182,7 @@
             <a:fld id="{A2FB5AFD-D735-4504-A039-ADEBB6448D55}" type="datetime4">
               <a:rPr lang="en-US" smtClean="0"/>
               <a:pPr/>
-              <a:t>May 20, 2015</a:t>
+              <a:t>June 17, 2015</a:t>
             </a:fld>
             <a:endParaRPr lang="en-US"/>
           </a:p>
@@ -3358,7 +3359,7 @@
             <a:fld id="{AB5C8118-FB93-4E87-B380-0175F2FE2167}" type="datetime4">
               <a:rPr lang="en-US" smtClean="0"/>
               <a:pPr/>
-              <a:t>May 20, 2015</a:t>
+              <a:t>June 17, 2015</a:t>
             </a:fld>
             <a:endParaRPr lang="en-US"/>
           </a:p>
@@ -3525,7 +3526,7 @@
             <a:fld id="{05A93482-8E69-40F7-BCAD-5662A6CADB27}" type="datetime4">
               <a:rPr lang="en-US" smtClean="0"/>
               <a:pPr/>
-              <a:t>May 20, 2015</a:t>
+              <a:t>June 17, 2015</a:t>
             </a:fld>
             <a:endParaRPr lang="en-US"/>
           </a:p>
@@ -3768,7 +3769,7 @@
             <a:fld id="{FBB7EAE1-CAAC-4AEF-919E-158692B1E55E}" type="datetime4">
               <a:rPr lang="en-US" smtClean="0"/>
               <a:pPr/>
-              <a:t>May 20, 2015</a:t>
+              <a:t>June 17, 2015</a:t>
             </a:fld>
             <a:endParaRPr lang="en-US"/>
           </a:p>
@@ -3883,7 +3884,7 @@
             <a:fld id="{9525A706-D8F2-4D1A-855A-CADC92600C26}" type="datetime4">
               <a:rPr lang="en-US" smtClean="0"/>
               <a:pPr/>
-              <a:t>May 20, 2015</a:t>
+              <a:t>June 17, 2015</a:t>
             </a:fld>
             <a:endParaRPr lang="en-US"/>
           </a:p>
@@ -4424,7 +4425,7 @@
             <a:fld id="{99B4F123-1704-49AC-9D15-C4B1462B8014}" type="datetime4">
               <a:rPr lang="en-US" smtClean="0"/>
               <a:pPr/>
-              <a:t>May 20, 2015</a:t>
+              <a:t>June 17, 2015</a:t>
             </a:fld>
             <a:endParaRPr lang="en-US"/>
           </a:p>
@@ -4539,7 +4540,7 @@
             <a:fld id="{E3127EC2-47FB-48A1-8644-C8A81DDAA119}" type="datetime4">
               <a:rPr lang="en-US" smtClean="0"/>
               <a:pPr/>
-              <a:t>May 20, 2015</a:t>
+              <a:t>June 17, 2015</a:t>
             </a:fld>
             <a:endParaRPr lang="en-US"/>
           </a:p>
@@ -4631,7 +4632,7 @@
             <a:fld id="{AE3EC3ED-7435-49F9-84C8-03CCA2F8DEDB}" type="datetime4">
               <a:rPr lang="en-US" smtClean="0"/>
               <a:pPr/>
-              <a:t>May 20, 2015</a:t>
+              <a:t>June 17, 2015</a:t>
             </a:fld>
             <a:endParaRPr lang="en-US"/>
           </a:p>
@@ -7284,7 +7285,7 @@
             <a:fld id="{3FC49BF1-FCD3-4395-8FF6-0047AF66228E}" type="datetime4">
               <a:rPr lang="en-US" smtClean="0"/>
               <a:pPr/>
-              <a:t>May 20, 2015</a:t>
+              <a:t>June 17, 2015</a:t>
             </a:fld>
             <a:endParaRPr lang="en-US"/>
           </a:p>
@@ -10498,7 +10499,7 @@
             <a:fld id="{CA861222-2C8B-4501-BE87-6797EC025925}" type="datetime4">
               <a:rPr lang="en-US" smtClean="0"/>
               <a:pPr/>
-              <a:t>May 20, 2015</a:t>
+              <a:t>June 17, 2015</a:t>
             </a:fld>
             <a:endParaRPr lang="en-US"/>
           </a:p>
@@ -13322,7 +13323,7 @@
             <a:fld id="{16C01193-8287-4834-A286-6B880643E934}" type="datetime4">
               <a:rPr lang="en-US" smtClean="0"/>
               <a:pPr/>
-              <a:t>May 20, 2015</a:t>
+              <a:t>June 17, 2015</a:t>
             </a:fld>
             <a:endParaRPr lang="en-US"/>
           </a:p>
@@ -14157,11 +14158,7 @@
             </a:r>
             <a:r>
               <a:rPr lang="pt-BR" dirty="0" smtClean="0"/>
-              <a:t> especial (algo que n</a:t>
-            </a:r>
-            <a:r>
-              <a:rPr lang="pt-BR" dirty="0" smtClean="0"/>
-              <a:t>ão seja feito por algum componente padrão);</a:t>
+              <a:t> especial (algo que não seja feito por algum componente padrão);</a:t>
             </a:r>
           </a:p>
           <a:p>
@@ -14449,11 +14446,7 @@
             </a:pPr>
             <a:r>
               <a:rPr lang="pt-BR" dirty="0" smtClean="0"/>
-              <a:t>Desenhar </a:t>
-            </a:r>
-            <a:r>
-              <a:rPr lang="pt-BR" dirty="0" smtClean="0"/>
-              <a:t>é fácil!</a:t>
+              <a:t>Desenhar é fácil!</a:t>
             </a:r>
           </a:p>
           <a:p>
@@ -14539,11 +14532,7 @@
             </a:r>
             <a:r>
               <a:rPr lang="pt-BR" dirty="0" smtClean="0"/>
-              <a:t>chame o m</a:t>
-            </a:r>
-            <a:r>
-              <a:rPr lang="pt-BR" dirty="0" smtClean="0"/>
-              <a:t>étodo acima!</a:t>
+              <a:t>chame o método acima!</a:t>
             </a:r>
           </a:p>
           <a:p>
@@ -15001,22 +14990,14 @@
             </a:pPr>
             <a:r>
               <a:rPr lang="pt-BR" dirty="0" smtClean="0"/>
-              <a:t>Como implementar o m</a:t>
-            </a:r>
-            <a:r>
-              <a:rPr lang="pt-BR" dirty="0" smtClean="0"/>
-              <a:t>étodo:</a:t>
+              <a:t>Como implementar o método:</a:t>
             </a:r>
             <a:br>
               <a:rPr lang="pt-BR" dirty="0" smtClean="0"/>
             </a:br>
             <a:r>
               <a:rPr lang="pt-BR" dirty="0" smtClean="0"/>
-              <a:t>-</a:t>
-            </a:r>
-            <a:r>
-              <a:rPr lang="pt-BR" dirty="0" smtClean="0"/>
-              <a:t>(</a:t>
+              <a:t>-(</a:t>
             </a:r>
             <a:r>
               <a:rPr lang="pt-BR" b="1" dirty="0" err="1">
@@ -15114,11 +15095,7 @@
             </a:r>
             <a:r>
               <a:rPr lang="pt-BR" dirty="0" smtClean="0"/>
-              <a:t> (um jeito orientado-a-objeto). </a:t>
-            </a:r>
-            <a:r>
-              <a:rPr lang="pt-BR" dirty="0" smtClean="0"/>
-              <a:t>É esse que vamos usar hoje.</a:t>
+              <a:t> (um jeito orientado-a-objeto). É esse que vamos usar hoje.</a:t>
             </a:r>
             <a:endParaRPr lang="pt-BR" dirty="0"/>
           </a:p>
@@ -15471,11 +15448,7 @@
             </a:r>
             <a:r>
               <a:rPr lang="pt-BR" dirty="0" smtClean="0"/>
-              <a:t> vai deixar um pronto para voc</a:t>
-            </a:r>
-            <a:r>
-              <a:rPr lang="pt-BR" dirty="0" smtClean="0"/>
-              <a:t>ê toda vez que o método </a:t>
+              <a:t> vai deixar um pronto para você toda vez que o método </a:t>
             </a:r>
             <a:r>
               <a:rPr lang="pt-BR" b="1" dirty="0" err="1" smtClean="0"/>
@@ -15940,11 +15913,7 @@
             </a:r>
             <a:r>
               <a:rPr lang="pt-BR" dirty="0" smtClean="0"/>
-              <a:t>, por</a:t>
-            </a:r>
-            <a:r>
-              <a:rPr lang="pt-BR" dirty="0" smtClean="0"/>
-              <a:t>ém metade do esforço;</a:t>
+              <a:t>, porém metade do esforço;</a:t>
             </a:r>
           </a:p>
           <a:p>
@@ -16243,11 +16212,7 @@
             </a:r>
             <a:r>
               <a:rPr lang="pt-BR" u="sng" dirty="0" smtClean="0"/>
-              <a:t>s</a:t>
-            </a:r>
-            <a:r>
-              <a:rPr lang="pt-BR" u="sng" dirty="0" smtClean="0"/>
-              <a:t>ó é válido durante o tempo de execução do método </a:t>
+              <a:t>só é válido durante o tempo de execução do método </a:t>
             </a:r>
             <a:r>
               <a:rPr lang="pt-BR" b="1" dirty="0" err="1" smtClean="0">
@@ -16841,11 +16806,7 @@
             </a:pPr>
             <a:r>
               <a:rPr lang="pt-BR" dirty="0" smtClean="0"/>
-              <a:t>Mas n</a:t>
-            </a:r>
-            <a:r>
-              <a:rPr lang="pt-BR" dirty="0" smtClean="0"/>
-              <a:t>ão se preocupe com isso!</a:t>
+              <a:t>Mas não se preocupe com isso!</a:t>
             </a:r>
           </a:p>
           <a:p>
@@ -17305,11 +17266,7 @@
             </a:pPr>
             <a:r>
               <a:rPr lang="pt-BR" dirty="0" smtClean="0"/>
-              <a:t>Sistema de Coordenadas (revis</a:t>
-            </a:r>
-            <a:r>
-              <a:rPr lang="pt-BR" dirty="0" smtClean="0"/>
-              <a:t>ão rápida);</a:t>
+              <a:t>Sistema de Coordenadas (revisão rápida);</a:t>
             </a:r>
           </a:p>
           <a:p>
@@ -17379,7 +17336,6 @@
               <a:rPr lang="pt-BR" dirty="0" smtClean="0"/>
               <a:t>;</a:t>
             </a:r>
-            <a:endParaRPr lang="pt-BR" dirty="0" smtClean="0"/>
           </a:p>
           <a:p>
             <a:pPr>
@@ -17691,11 +17647,7 @@
             </a:pPr>
             <a:r>
               <a:rPr lang="pt-BR" dirty="0" smtClean="0"/>
-              <a:t>Voc</a:t>
-            </a:r>
-            <a:r>
-              <a:rPr lang="pt-BR" dirty="0" smtClean="0"/>
-              <a:t>ê pode desenhar várias coisas:</a:t>
+              <a:t>Você pode desenhar várias coisas:</a:t>
             </a:r>
           </a:p>
           <a:p>
@@ -17745,11 +17697,7 @@
             </a:pPr>
             <a:r>
               <a:rPr lang="pt-BR" dirty="0" smtClean="0"/>
-              <a:t>Adicionar um </a:t>
-            </a:r>
-            <a:r>
-              <a:rPr lang="pt-BR" dirty="0" smtClean="0"/>
-              <a:t>“clip”!</a:t>
+              <a:t>Adicionar um “clip”!</a:t>
             </a:r>
           </a:p>
           <a:p>
@@ -18649,11 +18597,7 @@
             </a:pPr>
             <a:r>
               <a:rPr lang="pt-BR" dirty="0" smtClean="0"/>
-              <a:t>O desenho padr</a:t>
-            </a:r>
-            <a:r>
-              <a:rPr lang="pt-BR" dirty="0" smtClean="0"/>
-              <a:t>ão é </a:t>
+              <a:t>O desenho padrão é </a:t>
             </a:r>
             <a:r>
               <a:rPr lang="pt-BR" b="1" dirty="0" smtClean="0"/>
@@ -19032,11 +18976,7 @@
             </a:pPr>
             <a:r>
               <a:rPr lang="pt-BR" dirty="0" smtClean="0"/>
-              <a:t>Al</a:t>
-            </a:r>
-            <a:r>
-              <a:rPr lang="pt-BR" dirty="0" smtClean="0"/>
-              <a:t>ém de desenhos customizados com o </a:t>
+              <a:t>Além de desenhos customizados com o </a:t>
             </a:r>
             <a:r>
               <a:rPr lang="pt-BR" b="1" dirty="0" err="1" smtClean="0"/>
@@ -19657,15 +19597,7 @@
                   <a:schemeClr val="tx1"/>
                 </a:solidFill>
               </a:rPr>
-              <a:t>Estes dois m</a:t>
-            </a:r>
-            <a:r>
-              <a:rPr lang="pt-BR" sz="1200" dirty="0" smtClean="0">
-                <a:solidFill>
-                  <a:schemeClr val="tx1"/>
-                </a:solidFill>
-              </a:rPr>
-              <a:t>étodos são oriundos de um mecanismo chamado </a:t>
+              <a:t>Estes dois métodos são oriundos de um mecanismo chamado </a:t>
             </a:r>
             <a:r>
               <a:rPr lang="pt-BR" sz="1200" b="1" dirty="0" smtClean="0">
@@ -20155,11 +20087,7 @@
             </a:pPr>
             <a:r>
               <a:rPr lang="pt-BR" dirty="0" smtClean="0"/>
-              <a:t>Como obter uma inst</a:t>
-            </a:r>
-            <a:r>
-              <a:rPr lang="pt-BR" dirty="0" smtClean="0"/>
-              <a:t>ância?</a:t>
+              <a:t>Como obter uma instância?</a:t>
             </a:r>
           </a:p>
           <a:p>
@@ -21003,6 +20931,104 @@
 </p:sld>
 </file>
 
+<file path=ppt/slides/slide31.xml><?xml version="1.0" encoding="utf-8"?>
+<p:sld xmlns:a="http://schemas.openxmlformats.org/drawingml/2006/main" xmlns:r="http://schemas.openxmlformats.org/officeDocument/2006/relationships" xmlns:p="http://schemas.openxmlformats.org/presentationml/2006/main">
+  <p:cSld>
+    <p:spTree>
+      <p:nvGrpSpPr>
+        <p:cNvPr id="1" name=""/>
+        <p:cNvGrpSpPr/>
+        <p:nvPr/>
+      </p:nvGrpSpPr>
+      <p:grpSpPr>
+        <a:xfrm>
+          <a:off x="0" y="0"/>
+          <a:ext cx="0" cy="0"/>
+          <a:chOff x="0" y="0"/>
+          <a:chExt cx="0" cy="0"/>
+        </a:xfrm>
+      </p:grpSpPr>
+      <p:sp>
+        <p:nvSpPr>
+          <p:cNvPr id="2" name="Title 1"/>
+          <p:cNvSpPr>
+            <a:spLocks noGrp="1"/>
+          </p:cNvSpPr>
+          <p:nvPr>
+            <p:ph type="title"/>
+          </p:nvPr>
+        </p:nvSpPr>
+        <p:spPr/>
+        <p:txBody>
+          <a:bodyPr/>
+          <a:lstStyle/>
+          <a:p>
+            <a:r>
+              <a:rPr lang="pt-BR" dirty="0" smtClean="0"/>
+              <a:t>Desafio</a:t>
+            </a:r>
+            <a:endParaRPr lang="pt-BR" dirty="0"/>
+          </a:p>
+        </p:txBody>
+      </p:sp>
+      <p:sp>
+        <p:nvSpPr>
+          <p:cNvPr id="3" name="Content Placeholder 2"/>
+          <p:cNvSpPr>
+            <a:spLocks noGrp="1"/>
+          </p:cNvSpPr>
+          <p:nvPr>
+            <p:ph idx="1"/>
+          </p:nvPr>
+        </p:nvSpPr>
+        <p:spPr/>
+        <p:txBody>
+          <a:bodyPr/>
+          <a:lstStyle/>
+          <a:p>
+            <a:pPr>
+              <a:buFont typeface="Arial"/>
+              <a:buChar char="•"/>
+            </a:pPr>
+            <a:r>
+              <a:rPr lang="pt-BR" dirty="0" smtClean="0"/>
+              <a:t>Desenhar uma estrela;</a:t>
+            </a:r>
+          </a:p>
+          <a:p>
+            <a:pPr>
+              <a:buFont typeface="Arial"/>
+              <a:buChar char="•"/>
+            </a:pPr>
+            <a:r>
+              <a:rPr lang="pt-BR" dirty="0" smtClean="0"/>
+              <a:t>Numa mesma </a:t>
+            </a:r>
+            <a:r>
+              <a:rPr lang="pt-BR" dirty="0" err="1" smtClean="0"/>
+              <a:t>view</a:t>
+            </a:r>
+            <a:r>
+              <a:rPr lang="pt-BR" dirty="0" smtClean="0"/>
+              <a:t> customizada, desenhar uma forma (pode ser a estrela), uma imagem e um texto.</a:t>
+            </a:r>
+            <a:endParaRPr lang="pt-BR" dirty="0"/>
+          </a:p>
+        </p:txBody>
+      </p:sp>
+    </p:spTree>
+    <p:extLst>
+      <p:ext uri="{BB962C8B-B14F-4D97-AF65-F5344CB8AC3E}">
+        <p14:creationId xmlns:p14="http://schemas.microsoft.com/office/powerpoint/2010/main" val="4116120363"/>
+      </p:ext>
+    </p:extLst>
+  </p:cSld>
+  <p:clrMapOvr>
+    <a:masterClrMapping/>
+  </p:clrMapOvr>
+</p:sld>
+</file>
+
 <file path=ppt/slides/slide4.xml><?xml version="1.0" encoding="utf-8"?>
 <p:sld xmlns:a="http://schemas.openxmlformats.org/drawingml/2006/main" xmlns:r="http://schemas.openxmlformats.org/officeDocument/2006/relationships" xmlns:p="http://schemas.openxmlformats.org/presentationml/2006/main">
   <p:cSld>
@@ -21039,11 +21065,7 @@
           <a:p>
             <a:r>
               <a:rPr lang="pt-BR" dirty="0" smtClean="0"/>
-              <a:t>Sistema de Coordenadas (revis</a:t>
-            </a:r>
-            <a:r>
-              <a:rPr lang="pt-BR" dirty="0" smtClean="0"/>
-              <a:t>ão)</a:t>
+              <a:t>Sistema de Coordenadas (revisão)</a:t>
             </a:r>
             <a:endParaRPr lang="pt-BR" dirty="0"/>
           </a:p>
@@ -21123,13 +21145,8 @@
             </a:pPr>
             <a:r>
               <a:rPr lang="pt-BR" dirty="0" smtClean="0"/>
-              <a:t>Rela</a:t>
-            </a:r>
-            <a:r>
-              <a:rPr lang="pt-BR" dirty="0" smtClean="0"/>
-              <a:t>ção entre sistemas de coordenadas.</a:t>
-            </a:r>
-            <a:endParaRPr lang="pt-BR" dirty="0" smtClean="0"/>
+              <a:t>Relação entre sistemas de coordenadas.</a:t>
+            </a:r>
           </a:p>
           <a:p>
             <a:pPr>
@@ -21473,11 +21490,7 @@
             </a:r>
             <a:r>
               <a:rPr lang="pt-BR" dirty="0" smtClean="0"/>
-              <a:t> </a:t>
-            </a:r>
-            <a:r>
-              <a:rPr lang="pt-BR" dirty="0" smtClean="0"/>
-              <a:t>(qualquer coisa que herde de </a:t>
+              <a:t> (qualquer coisa que herde de </a:t>
             </a:r>
             <a:r>
               <a:rPr lang="pt-BR" b="1" dirty="0" err="1" smtClean="0">
@@ -21509,11 +21522,7 @@
             </a:pPr>
             <a:r>
               <a:rPr lang="pt-BR" dirty="0" smtClean="0"/>
-              <a:t>Desenha e </a:t>
-            </a:r>
-            <a:r>
-              <a:rPr lang="pt-BR" dirty="0" smtClean="0"/>
-              <a:t>é capaz de responder a eventos dentro do próprio espaço;</a:t>
+              <a:t>Desenha e é capaz de responder a eventos dentro do próprio espaço;</a:t>
             </a:r>
           </a:p>
         </p:txBody>
@@ -21752,11 +21761,7 @@
             </a:r>
             <a:r>
               <a:rPr lang="pt-BR" dirty="0" smtClean="0"/>
-              <a:t> s</a:t>
-            </a:r>
-            <a:r>
-              <a:rPr lang="pt-BR" dirty="0" smtClean="0"/>
-              <a:t>ão hierárquicas!</a:t>
+              <a:t> são hierárquicas!</a:t>
             </a:r>
           </a:p>
           <a:p>
@@ -21844,11 +21849,7 @@
             </a:pPr>
             <a:r>
               <a:rPr lang="pt-BR" dirty="0" smtClean="0"/>
-              <a:t>As </a:t>
-            </a:r>
-            <a:r>
-              <a:rPr lang="pt-BR" dirty="0" smtClean="0"/>
-              <a:t>últimas posições no </a:t>
+              <a:t>As últimas posições no </a:t>
             </a:r>
             <a:r>
               <a:rPr lang="pt-BR" dirty="0" err="1" smtClean="0"/>
@@ -22614,11 +22615,7 @@
             </a:r>
             <a:r>
               <a:rPr lang="pt-BR" dirty="0" smtClean="0"/>
-              <a:t> </a:t>
-            </a:r>
-            <a:r>
-              <a:rPr lang="pt-BR" dirty="0" smtClean="0"/>
-              <a:t>é, normalmente, construída graficamente usando o </a:t>
+              <a:t> é, normalmente, construída graficamente usando o </a:t>
             </a:r>
             <a:r>
               <a:rPr lang="pt-BR" dirty="0" err="1" smtClean="0"/>
@@ -22692,7 +22689,6 @@
               <a:rPr lang="pt-BR" dirty="0"/>
               <a:t>; </a:t>
             </a:r>
-            <a:endParaRPr lang="pt-BR" dirty="0"/>
           </a:p>
           <a:p>
             <a:pPr lvl="1">
@@ -22745,7 +22741,6 @@
               <a:rPr lang="pt-BR" dirty="0"/>
               <a:t>; </a:t>
             </a:r>
-            <a:endParaRPr lang="pt-BR" dirty="0"/>
           </a:p>
           <a:p>
             <a:pPr lvl="1">
@@ -22846,11 +22841,7 @@
             </a:r>
             <a:r>
               <a:rPr lang="pt-BR" dirty="0" smtClean="0"/>
-              <a:t> </a:t>
-            </a:r>
-            <a:r>
-              <a:rPr lang="pt-BR" dirty="0" smtClean="0"/>
-              <a:t>é a </a:t>
+              <a:t> é a </a:t>
             </a:r>
             <a:r>
               <a:rPr lang="pt-BR" dirty="0" err="1" smtClean="0"/>
